--- a/Employee_Data_Analysis_2.pptx
+++ b/Employee_Data_Analysis_2.pptx
@@ -2,24 +2,24 @@
 <file path=ppt/presentation.xml><?xml version="1.0" encoding="utf-8"?>
 <p:presentation xmlns:p="http://schemas.openxmlformats.org/presentationml/2006/main" xmlns:r="http://schemas.openxmlformats.org/officeDocument/2006/relationships" xmlns:a="http://schemas.openxmlformats.org/drawingml/2006/main">
   <p:sldMasterIdLst>
-    <p:sldMasterId id="2147483648" r:id="rId1"/>
+    <p:sldMasterId id="2147483654" r:id="rId1"/>
   </p:sldMasterIdLst>
   <p:notesMasterIdLst>
     <p:notesMasterId r:id="rId2"/>
   </p:notesMasterIdLst>
   <p:sldIdLst>
-    <p:sldId id="257" r:id="rId3"/>
-    <p:sldId id="258" r:id="rId4"/>
-    <p:sldId id="259" r:id="rId5"/>
-    <p:sldId id="260" r:id="rId6"/>
-    <p:sldId id="261" r:id="rId7"/>
-    <p:sldId id="262" r:id="rId8"/>
-    <p:sldId id="263" r:id="rId9"/>
-    <p:sldId id="264" r:id="rId10"/>
-    <p:sldId id="265" r:id="rId11"/>
-    <p:sldId id="266" r:id="rId12"/>
-    <p:sldId id="267" r:id="rId13"/>
-    <p:sldId id="268" r:id="rId14"/>
+    <p:sldId id="271" r:id="rId3"/>
+    <p:sldId id="272" r:id="rId4"/>
+    <p:sldId id="273" r:id="rId5"/>
+    <p:sldId id="274" r:id="rId6"/>
+    <p:sldId id="275" r:id="rId7"/>
+    <p:sldId id="276" r:id="rId8"/>
+    <p:sldId id="277" r:id="rId9"/>
+    <p:sldId id="278" r:id="rId10"/>
+    <p:sldId id="279" r:id="rId11"/>
+    <p:sldId id="280" r:id="rId12"/>
+    <p:sldId id="282" r:id="rId13"/>
+    <p:sldId id="283" r:id="rId14"/>
   </p:sldIdLst>
   <p:sldSz type="screen16x9" cy="6858000" cx="12192000"/>
   <p:notesSz cx="12192000" cy="6858000"/>
@@ -457,7 +457,7 @@
   <p:cSld>
     <p:spTree>
       <p:nvGrpSpPr>
-        <p:cNvPr id="29" name=""/>
+        <p:cNvPr id="22" name=""/>
         <p:cNvGrpSpPr/>
         <p:nvPr/>
       </p:nvGrpSpPr>
@@ -471,7 +471,7 @@
       </p:grpSpPr>
       <p:sp>
         <p:nvSpPr>
-          <p:cNvPr id="1048627" name="Slide Image Placeholder 1"/>
+          <p:cNvPr id="1048603" name="Slide Image Placeholder 1"/>
           <p:cNvSpPr>
             <a:spLocks noChangeAspect="1" noRot="1" noGrp="1"/>
           </p:cNvSpPr>
@@ -483,7 +483,7 @@
       </p:sp>
       <p:sp>
         <p:nvSpPr>
-          <p:cNvPr id="1048628" name="Notes Placeholder 2"/>
+          <p:cNvPr id="1048604" name="Notes Placeholder 2"/>
           <p:cNvSpPr>
             <a:spLocks noGrp="1"/>
           </p:cNvSpPr>
@@ -501,7 +501,7 @@
       </p:sp>
       <p:sp>
         <p:nvSpPr>
-          <p:cNvPr id="1048629" name="Slide Number Placeholder 3"/>
+          <p:cNvPr id="1048605" name="Slide Number Placeholder 3"/>
           <p:cNvSpPr>
             <a:spLocks noGrp="1"/>
           </p:cNvSpPr>
@@ -534,7 +534,7 @@
   <p:cSld name="Title Slide">
     <p:spTree>
       <p:nvGrpSpPr>
-        <p:cNvPr id="23" name=""/>
+        <p:cNvPr id="18" name=""/>
         <p:cNvGrpSpPr/>
         <p:nvPr/>
       </p:nvGrpSpPr>
@@ -548,7 +548,7 @@
       </p:grpSpPr>
       <p:sp>
         <p:nvSpPr>
-          <p:cNvPr id="1048602" name="Holder 2"/>
+          <p:cNvPr id="1048591" name="Holder 2"/>
           <p:cNvSpPr>
             <a:spLocks noGrp="1"/>
           </p:cNvSpPr>
@@ -583,7 +583,7 @@
       </p:sp>
       <p:sp>
         <p:nvSpPr>
-          <p:cNvPr id="1048603" name="Holder 3"/>
+          <p:cNvPr id="1048592" name="Holder 3"/>
           <p:cNvSpPr>
             <a:spLocks noGrp="1"/>
           </p:cNvSpPr>
@@ -607,7 +607,7 @@
       </p:sp>
       <p:sp>
         <p:nvSpPr>
-          <p:cNvPr id="1048604" name="Holder 4"/>
+          <p:cNvPr id="1048593" name="Holder 4"/>
           <p:cNvSpPr>
             <a:spLocks noGrp="1"/>
           </p:cNvSpPr>
@@ -634,7 +634,7 @@
       </p:sp>
       <p:sp>
         <p:nvSpPr>
-          <p:cNvPr id="1048605" name="Holder 5"/>
+          <p:cNvPr id="1048594" name="Holder 5"/>
           <p:cNvSpPr>
             <a:spLocks noGrp="1"/>
           </p:cNvSpPr>
@@ -667,7 +667,7 @@
       </p:sp>
       <p:sp>
         <p:nvSpPr>
-          <p:cNvPr id="1048606" name="Holder 6"/>
+          <p:cNvPr id="1048595" name="Holder 6"/>
           <p:cNvSpPr>
             <a:spLocks noGrp="1"/>
           </p:cNvSpPr>
@@ -1104,7 +1104,7 @@
   <p:cSld name="Title Only">
     <p:spTree>
       <p:nvGrpSpPr>
-        <p:cNvPr id="20" name=""/>
+        <p:cNvPr id="25" name=""/>
         <p:cNvGrpSpPr/>
         <p:nvPr/>
       </p:nvGrpSpPr>
@@ -1118,7 +1118,7 @@
       </p:grpSpPr>
       <p:sp>
         <p:nvSpPr>
-          <p:cNvPr id="1048591" name="Holder 2"/>
+          <p:cNvPr id="1048606" name="Holder 2"/>
           <p:cNvSpPr>
             <a:spLocks noGrp="1"/>
           </p:cNvSpPr>
@@ -1150,7 +1150,7 @@
       </p:sp>
       <p:sp>
         <p:nvSpPr>
-          <p:cNvPr id="1048592" name="Holder 3"/>
+          <p:cNvPr id="1048607" name="Holder 3"/>
           <p:cNvSpPr>
             <a:spLocks noGrp="1"/>
           </p:cNvSpPr>
@@ -1177,7 +1177,7 @@
       </p:sp>
       <p:sp>
         <p:nvSpPr>
-          <p:cNvPr id="1048593" name="Holder 4"/>
+          <p:cNvPr id="1048608" name="Holder 4"/>
           <p:cNvSpPr>
             <a:spLocks noGrp="1"/>
           </p:cNvSpPr>
@@ -1210,7 +1210,7 @@
       </p:sp>
       <p:sp>
         <p:nvSpPr>
-          <p:cNvPr id="1048594" name="Holder 5"/>
+          <p:cNvPr id="1048609" name="Holder 5"/>
           <p:cNvSpPr>
             <a:spLocks noGrp="1"/>
           </p:cNvSpPr>
@@ -1396,7 +1396,7 @@
     </p:bg>
     <p:spTree>
       <p:nvGrpSpPr>
-        <p:cNvPr id="14" name=""/>
+        <p:cNvPr id="12" name=""/>
         <p:cNvGrpSpPr/>
         <p:nvPr/>
       </p:nvGrpSpPr>
@@ -2037,11 +2037,11 @@
   </p:cSld>
   <p:clrMap accent1="accent1" accent2="accent2" accent3="accent3" accent4="accent4" accent5="accent5" accent6="accent6" bg1="lt1" bg2="lt2" tx1="dk1" tx2="dk2" hlink="hlink" folHlink="folHlink"/>
   <p:sldLayoutIdLst>
-    <p:sldLayoutId id="2147483649" r:id="rId1"/>
-    <p:sldLayoutId id="2147483650" r:id="rId2"/>
-    <p:sldLayoutId id="2147483651" r:id="rId3"/>
-    <p:sldLayoutId id="2147483652" r:id="rId4"/>
-    <p:sldLayoutId id="2147483653" r:id="rId5"/>
+    <p:sldLayoutId id="2147483655" r:id="rId1"/>
+    <p:sldLayoutId id="2147483656" r:id="rId2"/>
+    <p:sldLayoutId id="2147483657" r:id="rId3"/>
+    <p:sldLayoutId id="2147483658" r:id="rId4"/>
+    <p:sldLayoutId id="2147483659" r:id="rId5"/>
   </p:sldLayoutIdLst>
   <p:txStyles>
     <p:titleStyle>
@@ -2192,7 +2192,7 @@
   <p:cSld>
     <p:spTree>
       <p:nvGrpSpPr>
-        <p:cNvPr id="26" name=""/>
+        <p:cNvPr id="19" name=""/>
         <p:cNvGrpSpPr/>
         <p:nvPr/>
       </p:nvGrpSpPr>
@@ -2206,7 +2206,7 @@
       </p:grpSpPr>
       <p:grpSp>
         <p:nvGrpSpPr>
-          <p:cNvPr id="27" name="object 2"/>
+          <p:cNvPr id="20" name="object 2"/>
           <p:cNvGrpSpPr/>
           <p:nvPr/>
         </p:nvGrpSpPr>
@@ -2220,7 +2220,7 @@
         </p:grpSpPr>
         <p:sp>
           <p:nvSpPr>
-            <p:cNvPr id="1048620" name="object 3"/>
+            <p:cNvPr id="1048596" name="object 3"/>
             <p:cNvSpPr/>
             <p:nvPr/>
           </p:nvSpPr>
@@ -2271,7 +2271,7 @@
         </p:sp>
         <p:sp>
           <p:nvSpPr>
-            <p:cNvPr id="1048621" name="object 4"/>
+            <p:cNvPr id="1048597" name="object 4"/>
             <p:cNvSpPr/>
             <p:nvPr/>
           </p:nvSpPr>
@@ -2323,7 +2323,7 @@
       </p:grpSp>
       <p:sp>
         <p:nvSpPr>
-          <p:cNvPr id="1048622" name="object 5"/>
+          <p:cNvPr id="1048598" name="object 5"/>
           <p:cNvSpPr/>
           <p:nvPr/>
         </p:nvSpPr>
@@ -2374,7 +2374,7 @@
       </p:sp>
       <p:sp>
         <p:nvSpPr>
-          <p:cNvPr id="1048623" name="object 6"/>
+          <p:cNvPr id="1048599" name="object 6"/>
           <p:cNvSpPr/>
           <p:nvPr/>
         </p:nvSpPr>
@@ -2425,7 +2425,7 @@
       </p:sp>
       <p:sp>
         <p:nvSpPr>
-          <p:cNvPr id="1048624" name="object 7"/>
+          <p:cNvPr id="1048600" name="object 7"/>
           <p:cNvSpPr txBox="1">
             <a:spLocks noGrp="1"/>
           </p:cNvSpPr>
@@ -2486,7 +2486,7 @@
       </p:sp>
       <p:pic>
         <p:nvPicPr>
-          <p:cNvPr id="2097156" name="object 9"/>
+          <p:cNvPr id="2097152" name="object 9"/>
           <p:cNvPicPr>
             <a:picLocks/>
           </p:cNvPicPr>
@@ -2508,7 +2508,7 @@
       </p:pic>
       <p:sp>
         <p:nvSpPr>
-          <p:cNvPr id="1048625" name="object 11"/>
+          <p:cNvPr id="1048601" name="object 11"/>
           <p:cNvSpPr txBox="1">
             <a:spLocks noGrp="1"/>
           </p:cNvSpPr>
@@ -2542,7 +2542,7 @@
       </p:sp>
       <p:sp>
         <p:nvSpPr>
-          <p:cNvPr id="1048626" name="TextBox 13"/>
+          <p:cNvPr id="1048602" name="TextBox 13"/>
           <p:cNvSpPr txBox="1"/>
           <p:nvPr/>
         </p:nvSpPr>
@@ -2581,11 +2581,27 @@
             </a:r>
             <a:r>
               <a:rPr altLang="en-IN" sz="2400" lang="en-US"/>
-              <a:t>P</a:t>
+              <a:t>R</a:t>
             </a:r>
             <a:r>
               <a:rPr altLang="en-IN" sz="2400" lang="en-US"/>
-              <a:t>R</a:t>
+              <a:t>I</a:t>
+            </a:r>
+            <a:r>
+              <a:rPr altLang="en-IN" sz="2400" lang="en-US"/>
+              <a:t>T</a:t>
+            </a:r>
+            <a:r>
+              <a:rPr altLang="en-IN" sz="2400" lang="en-US"/>
+              <a:t>H</a:t>
+            </a:r>
+            <a:r>
+              <a:rPr altLang="en-IN" sz="2400" lang="en-US"/>
+              <a:t>I</a:t>
+            </a:r>
+            <a:r>
+              <a:rPr altLang="en-IN" sz="2400" lang="en-US"/>
+              <a:t>K</a:t>
             </a:r>
             <a:r>
               <a:rPr altLang="en-IN" sz="2400" lang="en-US"/>
@@ -2593,23 +2609,15 @@
             </a:r>
             <a:r>
               <a:rPr altLang="en-IN" sz="2400" lang="en-US"/>
-              <a:t>K</a:t>
+              <a:t>.</a:t>
             </a:r>
             <a:r>
               <a:rPr altLang="en-IN" sz="2400" lang="en-US"/>
-              <a:t>A</a:t>
+              <a:t> </a:t>
             </a:r>
             <a:r>
               <a:rPr altLang="en-IN" sz="2400" lang="en-US"/>
-              <a:t>SH</a:t>
-            </a:r>
-            <a:r>
-              <a:rPr altLang="en-IN" sz="2400" lang="en-US"/>
-              <a:t>.</a:t>
-            </a:r>
-            <a:r>
-              <a:rPr altLang="en-IN" sz="2400" lang="en-US"/>
-              <a:t>D</a:t>
+              <a:t>S</a:t>
             </a:r>
             <a:endParaRPr dirty="0" sz="2400" lang="en-US"/>
           </a:p>
@@ -2684,127 +2692,159 @@
             </a:r>
             <a:r>
               <a:rPr altLang="en-IN" dirty="0" sz="2400" lang="en-US"/>
+              <a:t>1</a:t>
+            </a:r>
+            <a:r>
+              <a:rPr altLang="en-IN" dirty="0" sz="2400" lang="en-US"/>
+              <a:t>1</a:t>
+            </a:r>
+            <a:r>
+              <a:rPr altLang="en-IN" dirty="0" sz="2400" lang="en-US"/>
+              <a:t>6</a:t>
+            </a:r>
+            <a:r>
+              <a:rPr altLang="en-IN" dirty="0" sz="2400" lang="en-US"/>
+              <a:t> </a:t>
+            </a:r>
+            <a:r>
+              <a:rPr altLang="en-IN" dirty="0" sz="2400" lang="en-US"/>
+              <a:t>(</a:t>
+            </a:r>
+            <a:r>
+              <a:rPr altLang="en-IN" dirty="0" sz="2400" lang="en-US"/>
+              <a:t>B</a:t>
+            </a:r>
+            <a:r>
+              <a:rPr altLang="en-IN" dirty="0" sz="2400" lang="en-US"/>
+              <a:t>8</a:t>
+            </a:r>
+            <a:r>
+              <a:rPr altLang="en-IN" dirty="0" sz="2400" lang="en-US"/>
+              <a:t>D</a:t>
+            </a:r>
+            <a:r>
+              <a:rPr altLang="en-IN" dirty="0" sz="2400" lang="en-US"/>
+              <a:t>9</a:t>
+            </a:r>
+            <a:r>
+              <a:rPr altLang="en-IN" dirty="0" sz="2400" lang="en-US"/>
+              <a:t>8</a:t>
+            </a:r>
+            <a:r>
+              <a:rPr altLang="en-IN" dirty="0" sz="2400" lang="en-US"/>
+              <a:t>F</a:t>
+            </a:r>
+            <a:r>
+              <a:rPr altLang="en-IN" dirty="0" sz="2400" lang="en-US"/>
+              <a:t>F</a:t>
+            </a:r>
+            <a:r>
+              <a:rPr altLang="en-IN" dirty="0" sz="2400" lang="en-US"/>
+              <a:t>1</a:t>
+            </a:r>
+            <a:r>
+              <a:rPr altLang="en-IN" dirty="0" sz="2400" lang="en-US"/>
+              <a:t>8</a:t>
+            </a:r>
+            <a:r>
+              <a:rPr altLang="en-IN" dirty="0" sz="2400" lang="en-US"/>
+              <a:t>D</a:t>
+            </a:r>
+            <a:r>
+              <a:rPr altLang="en-IN" dirty="0" sz="2400" lang="en-US"/>
+              <a:t>8</a:t>
+            </a:r>
+            <a:r>
+              <a:rPr altLang="en-IN" dirty="0" sz="2400" lang="en-US"/>
+              <a:t>F</a:t>
+            </a:r>
+            <a:r>
+              <a:rPr altLang="en-IN" dirty="0" sz="2400" lang="en-US"/>
+              <a:t>5</a:t>
+            </a:r>
+            <a:r>
+              <a:rPr altLang="en-IN" dirty="0" sz="2400" lang="en-US"/>
+              <a:t>5</a:t>
+            </a:r>
+            <a:r>
+              <a:rPr altLang="en-IN" dirty="0" sz="2400" lang="en-US"/>
+              <a:t>7</a:t>
+            </a:r>
+            <a:r>
+              <a:rPr altLang="en-IN" dirty="0" sz="2400" lang="en-US"/>
+              <a:t>8</a:t>
+            </a:r>
+            <a:r>
+              <a:rPr altLang="en-IN" dirty="0" sz="2400" lang="en-US"/>
+              <a:t>F</a:t>
+            </a:r>
+            <a:r>
+              <a:rPr altLang="en-IN" dirty="0" sz="2400" lang="en-US"/>
               <a:t>0</a:t>
             </a:r>
             <a:r>
               <a:rPr altLang="en-IN" dirty="0" sz="2400" lang="en-US"/>
+              <a:t>1</a:t>
+            </a:r>
+            <a:r>
+              <a:rPr altLang="en-IN" dirty="0" sz="2400" lang="en-US"/>
               <a:t>4</a:t>
             </a:r>
             <a:r>
               <a:rPr altLang="en-IN" dirty="0" sz="2400" lang="en-US"/>
-              <a:t>7</a:t>
+              <a:t>2</a:t>
+            </a:r>
+            <a:r>
+              <a:rPr altLang="en-IN" dirty="0" sz="2400" lang="en-US"/>
+              <a:t>E</a:t>
+            </a:r>
+            <a:r>
+              <a:rPr altLang="en-IN" dirty="0" sz="2400" lang="en-US"/>
+              <a:t>F</a:t>
+            </a:r>
+            <a:r>
+              <a:rPr altLang="en-IN" dirty="0" sz="2400" lang="en-US"/>
+              <a:t>2</a:t>
+            </a:r>
+            <a:r>
+              <a:rPr altLang="en-IN" dirty="0" sz="2400" lang="en-US"/>
+              <a:t>E</a:t>
+            </a:r>
+            <a:r>
+              <a:rPr altLang="en-IN" dirty="0" sz="2400" lang="en-US"/>
+              <a:t>D</a:t>
+            </a:r>
+            <a:r>
+              <a:rPr altLang="en-IN" dirty="0" sz="2400" lang="en-US"/>
+              <a:t>8</a:t>
+            </a:r>
+            <a:r>
+              <a:rPr altLang="en-IN" dirty="0" sz="2400" lang="en-US"/>
+              <a:t>D</a:t>
+            </a:r>
+            <a:r>
+              <a:rPr altLang="en-IN" dirty="0" sz="2400" lang="en-US"/>
+              <a:t>D</a:t>
+            </a:r>
+            <a:r>
+              <a:rPr altLang="en-IN" dirty="0" sz="2400" lang="en-US"/>
+              <a:t>8</a:t>
+            </a:r>
+            <a:r>
+              <a:rPr altLang="en-IN" dirty="0" sz="2400" lang="en-US"/>
+              <a:t>F</a:t>
+            </a:r>
+            <a:r>
+              <a:rPr altLang="en-IN" dirty="0" sz="2400" lang="en-US"/>
+              <a:t>6</a:t>
+            </a:r>
+            <a:r>
+              <a:rPr altLang="en-IN" dirty="0" sz="2400" lang="en-US"/>
+              <a:t>)</a:t>
             </a:r>
             <a:r>
               <a:rPr altLang="en-IN" dirty="0" sz="2400" lang="en-US"/>
               <a:t> </a:t>
-            </a:r>
-            <a:r>
-              <a:rPr altLang="en-IN" dirty="0" sz="2400" lang="en-US"/>
-              <a:t>(</a:t>
-            </a:r>
-            <a:r>
-              <a:rPr altLang="en-IN" dirty="0" sz="2400" lang="en-US"/>
-              <a:t>C</a:t>
-            </a:r>
-            <a:r>
-              <a:rPr altLang="en-IN" dirty="0" sz="2400" lang="en-US"/>
-              <a:t>90237267</a:t>
-            </a:r>
-            <a:r>
-              <a:rPr altLang="en-IN" dirty="0" sz="2400" lang="en-US"/>
-              <a:t>0</a:t>
-            </a:r>
-            <a:r>
-              <a:rPr altLang="en-IN" dirty="0" sz="2400" lang="en-US"/>
-              <a:t>7</a:t>
-            </a:r>
-            <a:r>
-              <a:rPr altLang="en-IN" dirty="0" sz="2400" lang="en-US"/>
-              <a:t>F</a:t>
-            </a:r>
-            <a:r>
-              <a:rPr altLang="en-IN" dirty="0" sz="2400" lang="en-US"/>
-              <a:t>7</a:t>
-            </a:r>
-            <a:r>
-              <a:rPr altLang="en-IN" dirty="0" sz="2400" lang="en-US"/>
-              <a:t>B</a:t>
-            </a:r>
-            <a:r>
-              <a:rPr altLang="en-IN" dirty="0" sz="2400" lang="en-US"/>
-              <a:t>A</a:t>
-            </a:r>
-            <a:r>
-              <a:rPr altLang="en-IN" dirty="0" sz="2400" lang="en-US"/>
-              <a:t>9</a:t>
-            </a:r>
-            <a:r>
-              <a:rPr altLang="en-IN" dirty="0" sz="2400" lang="en-US"/>
-              <a:t>0</a:t>
-            </a:r>
-            <a:r>
-              <a:rPr altLang="en-IN" dirty="0" sz="2400" lang="en-US"/>
-              <a:t>2</a:t>
-            </a:r>
-            <a:r>
-              <a:rPr altLang="en-IN" dirty="0" sz="2400" lang="en-US"/>
-              <a:t>0</a:t>
-            </a:r>
-            <a:r>
-              <a:rPr altLang="en-IN" dirty="0" sz="2400" lang="en-US"/>
-              <a:t>4</a:t>
-            </a:r>
-            <a:r>
-              <a:rPr altLang="en-IN" dirty="0" sz="2400" lang="en-US"/>
-              <a:t>A</a:t>
-            </a:r>
-            <a:r>
-              <a:rPr altLang="en-IN" dirty="0" sz="2400" lang="en-US"/>
-              <a:t>1</a:t>
-            </a:r>
-            <a:r>
-              <a:rPr altLang="en-IN" dirty="0" sz="2400" lang="en-US"/>
-              <a:t>A</a:t>
-            </a:r>
-            <a:r>
-              <a:rPr altLang="en-IN" dirty="0" sz="2400" lang="en-US"/>
-              <a:t>C</a:t>
-            </a:r>
-            <a:r>
-              <a:rPr altLang="en-IN" dirty="0" sz="2400" lang="en-US"/>
-              <a:t>B</a:t>
-            </a:r>
-            <a:r>
-              <a:rPr altLang="en-IN" dirty="0" sz="2400" lang="en-US"/>
-              <a:t>7</a:t>
-            </a:r>
-            <a:r>
-              <a:rPr altLang="en-IN" dirty="0" sz="2400" lang="en-US"/>
-              <a:t>5</a:t>
-            </a:r>
-            <a:r>
-              <a:rPr altLang="en-IN" dirty="0" sz="2400" lang="en-US"/>
-              <a:t>D</a:t>
-            </a:r>
-            <a:r>
-              <a:rPr altLang="en-IN" dirty="0" sz="2400" lang="en-US"/>
-              <a:t>D</a:t>
-            </a:r>
-            <a:r>
-              <a:rPr altLang="en-IN" dirty="0" sz="2400" lang="en-US"/>
-              <a:t>6</a:t>
-            </a:r>
-            <a:r>
-              <a:rPr altLang="en-IN" dirty="0" sz="2400" lang="en-US"/>
-              <a:t>7</a:t>
-            </a:r>
-            <a:r>
-              <a:rPr altLang="en-IN" dirty="0" sz="2400" lang="en-US"/>
-              <a:t>2</a:t>
-            </a:r>
-            <a:r>
-              <a:rPr altLang="en-IN" dirty="0" sz="2400" lang="en-US"/>
-              <a:t>)</a:t>
             </a:r>
             <a:endParaRPr altLang="en-US" lang="zh-CN"/>
           </a:p>
@@ -3120,7 +3160,7 @@
   <p:cSld>
     <p:spTree>
       <p:nvGrpSpPr>
-        <p:cNvPr id="24" name=""/>
+        <p:cNvPr id="40" name=""/>
         <p:cNvGrpSpPr/>
         <p:nvPr/>
       </p:nvGrpSpPr>
@@ -3134,7 +3174,7 @@
       </p:grpSpPr>
       <p:sp>
         <p:nvSpPr>
-          <p:cNvPr id="1048607" name="object 5"/>
+          <p:cNvPr id="1048679" name="object 5"/>
           <p:cNvSpPr/>
           <p:nvPr/>
         </p:nvSpPr>
@@ -3179,7 +3219,7 @@
       </p:sp>
       <p:pic>
         <p:nvPicPr>
-          <p:cNvPr id="2097154" name="object 6"/>
+          <p:cNvPr id="2097166" name="object 6"/>
           <p:cNvPicPr>
             <a:picLocks/>
           </p:cNvPicPr>
@@ -3201,7 +3241,7 @@
       </p:pic>
       <p:sp>
         <p:nvSpPr>
-          <p:cNvPr id="1048608" name="object 9"/>
+          <p:cNvPr id="1048680" name="object 9"/>
           <p:cNvSpPr txBox="1"/>
           <p:nvPr/>
         </p:nvSpPr>
@@ -3244,7 +3284,7 @@
       </p:sp>
       <p:sp>
         <p:nvSpPr>
-          <p:cNvPr id="1048609" name="object 8"/>
+          <p:cNvPr id="1048681" name="object 8"/>
           <p:cNvSpPr txBox="1"/>
           <p:nvPr/>
         </p:nvSpPr>
@@ -3333,7 +3373,7 @@
       </p:sp>
       <p:sp>
         <p:nvSpPr>
-          <p:cNvPr id="1048610" name="object 3"/>
+          <p:cNvPr id="1048682" name="object 3"/>
           <p:cNvSpPr/>
           <p:nvPr/>
         </p:nvSpPr>
@@ -3378,7 +3418,7 @@
       </p:sp>
       <p:sp>
         <p:nvSpPr>
-          <p:cNvPr id="1048611" name=""/>
+          <p:cNvPr id="1048683" name=""/>
           <p:cNvSpPr txBox="1"/>
           <p:nvPr/>
         </p:nvSpPr>
@@ -3424,7 +3464,7 @@
   <p:cSld>
     <p:spTree>
       <p:nvGrpSpPr>
-        <p:cNvPr id="22" name=""/>
+        <p:cNvPr id="41" name=""/>
         <p:cNvGrpSpPr/>
         <p:nvPr/>
       </p:nvGrpSpPr>
@@ -3438,7 +3478,7 @@
       </p:grpSpPr>
       <p:sp>
         <p:nvSpPr>
-          <p:cNvPr id="1048597" name="object 3"/>
+          <p:cNvPr id="1048684" name="object 3"/>
           <p:cNvSpPr/>
           <p:nvPr/>
         </p:nvSpPr>
@@ -3483,7 +3523,7 @@
       </p:sp>
       <p:sp>
         <p:nvSpPr>
-          <p:cNvPr id="1048598" name="object 4"/>
+          <p:cNvPr id="1048685" name="object 4"/>
           <p:cNvSpPr/>
           <p:nvPr/>
         </p:nvSpPr>
@@ -3528,7 +3568,7 @@
       </p:sp>
       <p:sp>
         <p:nvSpPr>
-          <p:cNvPr id="1048599" name="object 5"/>
+          <p:cNvPr id="1048686" name="object 5"/>
           <p:cNvSpPr/>
           <p:nvPr/>
         </p:nvSpPr>
@@ -3573,7 +3613,7 @@
       </p:sp>
       <p:pic>
         <p:nvPicPr>
-          <p:cNvPr id="2097152" name="object 6"/>
+          <p:cNvPr id="2097167" name="object 6"/>
           <p:cNvPicPr>
             <a:picLocks/>
           </p:cNvPicPr>
@@ -3595,7 +3635,7 @@
       </p:pic>
       <p:sp>
         <p:nvSpPr>
-          <p:cNvPr id="1048600" name="object 7"/>
+          <p:cNvPr id="1048687" name="object 7"/>
           <p:cNvSpPr txBox="1">
             <a:spLocks noGrp="1"/>
           </p:cNvSpPr>
@@ -3652,7 +3692,7 @@
       </p:sp>
       <p:sp>
         <p:nvSpPr>
-          <p:cNvPr id="1048601" name="object 9"/>
+          <p:cNvPr id="1048688" name="object 9"/>
           <p:cNvSpPr txBox="1"/>
           <p:nvPr/>
         </p:nvSpPr>
@@ -3695,7 +3735,7 @@
       </p:sp>
       <p:pic>
         <p:nvPicPr>
-          <p:cNvPr id="2097153" name="Content Placeholder 3"/>
+          <p:cNvPr id="2097168" name="Content Placeholder 3"/>
           <p:cNvPicPr>
             <a:picLocks/>
           </p:cNvPicPr>
@@ -3728,7 +3768,7 @@
   <p:cSld>
     <p:spTree>
       <p:nvGrpSpPr>
-        <p:cNvPr id="21" name=""/>
+        <p:cNvPr id="42" name=""/>
         <p:cNvGrpSpPr/>
         <p:nvPr/>
       </p:nvGrpSpPr>
@@ -3742,7 +3782,7 @@
       </p:grpSpPr>
       <p:sp>
         <p:nvSpPr>
-          <p:cNvPr id="1048595" name="Title 1"/>
+          <p:cNvPr id="1048689" name="Title 1"/>
           <p:cNvSpPr>
             <a:spLocks noGrp="1"/>
           </p:cNvSpPr>
@@ -3775,7 +3815,7 @@
       </p:sp>
       <p:sp>
         <p:nvSpPr>
-          <p:cNvPr id="1048596" name=""/>
+          <p:cNvPr id="1048690" name=""/>
           <p:cNvSpPr txBox="1"/>
           <p:nvPr/>
         </p:nvSpPr>
@@ -3821,7 +3861,7 @@
   <p:cSld>
     <p:spTree>
       <p:nvGrpSpPr>
-        <p:cNvPr id="30" name=""/>
+        <p:cNvPr id="26" name=""/>
         <p:cNvGrpSpPr/>
         <p:nvPr/>
       </p:nvGrpSpPr>
@@ -3835,7 +3875,7 @@
       </p:grpSpPr>
       <p:sp>
         <p:nvSpPr>
-          <p:cNvPr id="1048630" name="object 2"/>
+          <p:cNvPr id="1048610" name="object 2"/>
           <p:cNvSpPr/>
           <p:nvPr/>
         </p:nvSpPr>
@@ -3885,7 +3925,7 @@
       </p:sp>
       <p:grpSp>
         <p:nvGrpSpPr>
-          <p:cNvPr id="31" name="object 3"/>
+          <p:cNvPr id="27" name="object 3"/>
           <p:cNvGrpSpPr/>
           <p:nvPr/>
         </p:nvGrpSpPr>
@@ -3899,7 +3939,7 @@
         </p:grpSpPr>
         <p:sp>
           <p:nvSpPr>
-            <p:cNvPr id="1048631" name="object 4"/>
+            <p:cNvPr id="1048611" name="object 4"/>
             <p:cNvSpPr/>
             <p:nvPr/>
           </p:nvSpPr>
@@ -3936,7 +3976,7 @@
         </p:sp>
         <p:sp>
           <p:nvSpPr>
-            <p:cNvPr id="1048632" name="object 5"/>
+            <p:cNvPr id="1048612" name="object 5"/>
             <p:cNvSpPr/>
             <p:nvPr/>
           </p:nvSpPr>
@@ -3973,7 +4013,7 @@
         </p:sp>
         <p:sp>
           <p:nvSpPr>
-            <p:cNvPr id="1048633" name="object 6"/>
+            <p:cNvPr id="1048613" name="object 6"/>
             <p:cNvSpPr/>
             <p:nvPr/>
           </p:nvSpPr>
@@ -4020,7 +4060,7 @@
         </p:sp>
         <p:sp>
           <p:nvSpPr>
-            <p:cNvPr id="1048634" name="object 7"/>
+            <p:cNvPr id="1048614" name="object 7"/>
             <p:cNvSpPr/>
             <p:nvPr/>
           </p:nvSpPr>
@@ -4067,7 +4107,7 @@
         </p:sp>
         <p:sp>
           <p:nvSpPr>
-            <p:cNvPr id="1048635" name="object 8"/>
+            <p:cNvPr id="1048615" name="object 8"/>
             <p:cNvSpPr/>
             <p:nvPr/>
           </p:nvSpPr>
@@ -4111,7 +4151,7 @@
         </p:sp>
         <p:sp>
           <p:nvSpPr>
-            <p:cNvPr id="1048636" name="object 9"/>
+            <p:cNvPr id="1048616" name="object 9"/>
             <p:cNvSpPr/>
             <p:nvPr/>
           </p:nvSpPr>
@@ -4158,7 +4198,7 @@
         </p:sp>
         <p:sp>
           <p:nvSpPr>
-            <p:cNvPr id="1048637" name="object 10"/>
+            <p:cNvPr id="1048617" name="object 10"/>
             <p:cNvSpPr/>
             <p:nvPr/>
           </p:nvSpPr>
@@ -4205,7 +4245,7 @@
         </p:sp>
         <p:sp>
           <p:nvSpPr>
-            <p:cNvPr id="1048638" name="object 11"/>
+            <p:cNvPr id="1048618" name="object 11"/>
             <p:cNvSpPr/>
             <p:nvPr/>
           </p:nvSpPr>
@@ -4252,7 +4292,7 @@
         </p:sp>
         <p:sp>
           <p:nvSpPr>
-            <p:cNvPr id="1048639" name="object 12"/>
+            <p:cNvPr id="1048619" name="object 12"/>
             <p:cNvSpPr/>
             <p:nvPr/>
           </p:nvSpPr>
@@ -4297,7 +4337,7 @@
       </p:grpSp>
       <p:sp>
         <p:nvSpPr>
-          <p:cNvPr id="1048640" name="object 13"/>
+          <p:cNvPr id="1048620" name="object 13"/>
           <p:cNvSpPr/>
           <p:nvPr/>
         </p:nvSpPr>
@@ -4341,7 +4381,7 @@
       </p:sp>
       <p:sp>
         <p:nvSpPr>
-          <p:cNvPr id="1048641" name="object 14"/>
+          <p:cNvPr id="1048621" name="object 14"/>
           <p:cNvSpPr/>
           <p:nvPr/>
         </p:nvSpPr>
@@ -4386,7 +4426,7 @@
       </p:sp>
       <p:sp>
         <p:nvSpPr>
-          <p:cNvPr id="1048642" name="object 15"/>
+          <p:cNvPr id="1048622" name="object 15"/>
           <p:cNvSpPr/>
           <p:nvPr/>
         </p:nvSpPr>
@@ -4431,7 +4471,7 @@
       </p:sp>
       <p:sp>
         <p:nvSpPr>
-          <p:cNvPr id="1048643" name="object 16"/>
+          <p:cNvPr id="1048623" name="object 16"/>
           <p:cNvSpPr/>
           <p:nvPr/>
         </p:nvSpPr>
@@ -4476,7 +4516,7 @@
       </p:sp>
       <p:sp>
         <p:nvSpPr>
-          <p:cNvPr id="1048644" name="object 17"/>
+          <p:cNvPr id="1048624" name="object 17"/>
           <p:cNvSpPr txBox="1">
             <a:spLocks noGrp="1"/>
           </p:cNvSpPr>
@@ -4522,7 +4562,7 @@
       </p:sp>
       <p:grpSp>
         <p:nvGrpSpPr>
-          <p:cNvPr id="32" name="object 18"/>
+          <p:cNvPr id="28" name="object 18"/>
           <p:cNvGrpSpPr/>
           <p:nvPr/>
         </p:nvGrpSpPr>
@@ -4536,7 +4576,7 @@
         </p:grpSpPr>
         <p:pic>
           <p:nvPicPr>
-            <p:cNvPr id="2097157" name="object 19"/>
+            <p:cNvPr id="2097153" name="object 19"/>
             <p:cNvPicPr>
               <a:picLocks/>
             </p:cNvPicPr>
@@ -4558,7 +4598,7 @@
         </p:pic>
         <p:pic>
           <p:nvPicPr>
-            <p:cNvPr id="2097158" name="object 20"/>
+            <p:cNvPr id="2097154" name="object 20"/>
             <p:cNvPicPr>
               <a:picLocks/>
             </p:cNvPicPr>
@@ -4581,7 +4621,7 @@
       </p:grpSp>
       <p:sp>
         <p:nvSpPr>
-          <p:cNvPr id="1048645" name="object 22"/>
+          <p:cNvPr id="1048625" name="object 22"/>
           <p:cNvSpPr txBox="1">
             <a:spLocks noGrp="1"/>
           </p:cNvSpPr>
@@ -4615,7 +4655,7 @@
       </p:sp>
       <p:sp>
         <p:nvSpPr>
-          <p:cNvPr id="1048646" name="TextBox 22"/>
+          <p:cNvPr id="1048626" name="TextBox 22"/>
           <p:cNvSpPr txBox="1"/>
           <p:nvPr/>
         </p:nvSpPr>
@@ -4703,7 +4743,7 @@
   <p:cSld>
     <p:spTree>
       <p:nvGrpSpPr>
-        <p:cNvPr id="33" name=""/>
+        <p:cNvPr id="29" name=""/>
         <p:cNvGrpSpPr/>
         <p:nvPr/>
       </p:nvGrpSpPr>
@@ -4717,7 +4757,7 @@
       </p:grpSpPr>
       <p:sp>
         <p:nvSpPr>
-          <p:cNvPr id="1048647" name="object 2"/>
+          <p:cNvPr id="1048627" name="object 2"/>
           <p:cNvSpPr/>
           <p:nvPr/>
         </p:nvSpPr>
@@ -4764,7 +4804,7 @@
       </p:sp>
       <p:grpSp>
         <p:nvGrpSpPr>
-          <p:cNvPr id="34" name="object 3"/>
+          <p:cNvPr id="30" name="object 3"/>
           <p:cNvGrpSpPr/>
           <p:nvPr/>
         </p:nvGrpSpPr>
@@ -4778,7 +4818,7 @@
         </p:grpSpPr>
         <p:sp>
           <p:nvSpPr>
-            <p:cNvPr id="1048648" name="object 4"/>
+            <p:cNvPr id="1048628" name="object 4"/>
             <p:cNvSpPr/>
             <p:nvPr/>
           </p:nvSpPr>
@@ -4815,7 +4855,7 @@
         </p:sp>
         <p:sp>
           <p:nvSpPr>
-            <p:cNvPr id="1048649" name="object 5"/>
+            <p:cNvPr id="1048629" name="object 5"/>
             <p:cNvSpPr/>
             <p:nvPr/>
           </p:nvSpPr>
@@ -4852,7 +4892,7 @@
         </p:sp>
         <p:sp>
           <p:nvSpPr>
-            <p:cNvPr id="1048650" name="object 6"/>
+            <p:cNvPr id="1048630" name="object 6"/>
             <p:cNvSpPr/>
             <p:nvPr/>
           </p:nvSpPr>
@@ -4899,7 +4939,7 @@
         </p:sp>
         <p:sp>
           <p:nvSpPr>
-            <p:cNvPr id="1048651" name="object 7"/>
+            <p:cNvPr id="1048631" name="object 7"/>
             <p:cNvSpPr/>
             <p:nvPr/>
           </p:nvSpPr>
@@ -4946,7 +4986,7 @@
         </p:sp>
         <p:sp>
           <p:nvSpPr>
-            <p:cNvPr id="1048652" name="object 8"/>
+            <p:cNvPr id="1048632" name="object 8"/>
             <p:cNvSpPr/>
             <p:nvPr/>
           </p:nvSpPr>
@@ -4990,7 +5030,7 @@
         </p:sp>
         <p:sp>
           <p:nvSpPr>
-            <p:cNvPr id="1048653" name="object 9"/>
+            <p:cNvPr id="1048633" name="object 9"/>
             <p:cNvSpPr/>
             <p:nvPr/>
           </p:nvSpPr>
@@ -5037,7 +5077,7 @@
         </p:sp>
         <p:sp>
           <p:nvSpPr>
-            <p:cNvPr id="1048654" name="object 10"/>
+            <p:cNvPr id="1048634" name="object 10"/>
             <p:cNvSpPr/>
             <p:nvPr/>
           </p:nvSpPr>
@@ -5084,7 +5124,7 @@
         </p:sp>
         <p:sp>
           <p:nvSpPr>
-            <p:cNvPr id="1048655" name="object 11"/>
+            <p:cNvPr id="1048635" name="object 11"/>
             <p:cNvSpPr/>
             <p:nvPr/>
           </p:nvSpPr>
@@ -5131,7 +5171,7 @@
         </p:sp>
         <p:sp>
           <p:nvSpPr>
-            <p:cNvPr id="1048656" name="object 12"/>
+            <p:cNvPr id="1048636" name="object 12"/>
             <p:cNvSpPr/>
             <p:nvPr/>
           </p:nvSpPr>
@@ -5176,7 +5216,7 @@
       </p:grpSp>
       <p:sp>
         <p:nvSpPr>
-          <p:cNvPr id="1048657" name="object 13"/>
+          <p:cNvPr id="1048637" name="object 13"/>
           <p:cNvSpPr/>
           <p:nvPr/>
         </p:nvSpPr>
@@ -5220,7 +5260,7 @@
       </p:sp>
       <p:sp>
         <p:nvSpPr>
-          <p:cNvPr id="1048658" name="object 14"/>
+          <p:cNvPr id="1048638" name="object 14"/>
           <p:cNvSpPr txBox="1"/>
           <p:nvPr/>
         </p:nvSpPr>
@@ -5390,7 +5430,7 @@
       </p:sp>
       <p:sp>
         <p:nvSpPr>
-          <p:cNvPr id="1048659" name="object 15"/>
+          <p:cNvPr id="1048639" name="object 15"/>
           <p:cNvSpPr/>
           <p:nvPr/>
         </p:nvSpPr>
@@ -5495,7 +5535,7 @@
       </p:sp>
       <p:sp>
         <p:nvSpPr>
-          <p:cNvPr id="1048660" name="object 16"/>
+          <p:cNvPr id="1048640" name="object 16"/>
           <p:cNvSpPr/>
           <p:nvPr/>
         </p:nvSpPr>
@@ -5660,7 +5700,7 @@
       </p:sp>
       <p:pic>
         <p:nvPicPr>
-          <p:cNvPr id="2097159" name="object 17"/>
+          <p:cNvPr id="2097155" name="object 17"/>
           <p:cNvPicPr>
             <a:picLocks/>
           </p:cNvPicPr>
@@ -5682,7 +5722,7 @@
       </p:pic>
       <p:grpSp>
         <p:nvGrpSpPr>
-          <p:cNvPr id="35" name="object 18"/>
+          <p:cNvPr id="31" name="object 18"/>
           <p:cNvGrpSpPr/>
           <p:nvPr/>
         </p:nvGrpSpPr>
@@ -5696,7 +5736,7 @@
         </p:grpSpPr>
         <p:pic>
           <p:nvPicPr>
-            <p:cNvPr id="2097160" name="object 19"/>
+            <p:cNvPr id="2097156" name="object 19"/>
             <p:cNvPicPr>
               <a:picLocks/>
             </p:cNvPicPr>
@@ -5718,7 +5758,7 @@
         </p:pic>
         <p:pic>
           <p:nvPicPr>
-            <p:cNvPr id="2097161" name="object 20"/>
+            <p:cNvPr id="2097157" name="object 20"/>
             <p:cNvPicPr>
               <a:picLocks/>
             </p:cNvPicPr>
@@ -5741,7 +5781,7 @@
       </p:grpSp>
       <p:sp>
         <p:nvSpPr>
-          <p:cNvPr id="1048661" name="object 21"/>
+          <p:cNvPr id="1048641" name="object 21"/>
           <p:cNvSpPr txBox="1">
             <a:spLocks noGrp="1"/>
           </p:cNvSpPr>
@@ -5752,7 +5792,7 @@
         <p:spPr>
           <a:xfrm>
             <a:off x="739775" y="445388"/>
-            <a:ext cx="2357120" cy="1461135"/>
+            <a:ext cx="2357120" cy="737236"/>
           </a:xfrm>
           <a:prstGeom prst="rect"/>
         </p:spPr>
@@ -5794,7 +5834,7 @@
       </p:sp>
       <p:sp>
         <p:nvSpPr>
-          <p:cNvPr id="1048662" name="object 22"/>
+          <p:cNvPr id="1048642" name="object 22"/>
           <p:cNvSpPr txBox="1">
             <a:spLocks noGrp="1"/>
           </p:cNvSpPr>
@@ -5828,7 +5868,7 @@
       </p:sp>
       <p:sp>
         <p:nvSpPr>
-          <p:cNvPr id="1048663" name="TextBox 22"/>
+          <p:cNvPr id="1048643" name="TextBox 22"/>
           <p:cNvSpPr txBox="1"/>
           <p:nvPr/>
         </p:nvSpPr>
@@ -6037,7 +6077,7 @@
   <p:cSld>
     <p:spTree>
       <p:nvGrpSpPr>
-        <p:cNvPr id="36" name=""/>
+        <p:cNvPr id="32" name=""/>
         <p:cNvGrpSpPr/>
         <p:nvPr/>
       </p:nvGrpSpPr>
@@ -6051,7 +6091,7 @@
       </p:grpSpPr>
       <p:grpSp>
         <p:nvGrpSpPr>
-          <p:cNvPr id="37" name="object 2"/>
+          <p:cNvPr id="33" name="object 2"/>
           <p:cNvGrpSpPr/>
           <p:nvPr/>
         </p:nvGrpSpPr>
@@ -6065,7 +6105,7 @@
         </p:grpSpPr>
         <p:sp>
           <p:nvSpPr>
-            <p:cNvPr id="1048664" name="object 3"/>
+            <p:cNvPr id="1048644" name="object 3"/>
             <p:cNvSpPr/>
             <p:nvPr/>
           </p:nvSpPr>
@@ -6110,7 +6150,7 @@
         </p:sp>
         <p:sp>
           <p:nvSpPr>
-            <p:cNvPr id="1048665" name="object 4"/>
+            <p:cNvPr id="1048645" name="object 4"/>
             <p:cNvSpPr/>
             <p:nvPr/>
           </p:nvSpPr>
@@ -6155,7 +6195,7 @@
         </p:sp>
         <p:pic>
           <p:nvPicPr>
-            <p:cNvPr id="2097162" name="object 5"/>
+            <p:cNvPr id="2097158" name="object 5"/>
             <p:cNvPicPr>
               <a:picLocks/>
             </p:cNvPicPr>
@@ -6178,7 +6218,7 @@
       </p:grpSp>
       <p:sp>
         <p:nvSpPr>
-          <p:cNvPr id="1048666" name="object 6"/>
+          <p:cNvPr id="1048646" name="object 6"/>
           <p:cNvSpPr/>
           <p:nvPr/>
         </p:nvSpPr>
@@ -6223,7 +6263,7 @@
       </p:sp>
       <p:sp>
         <p:nvSpPr>
-          <p:cNvPr id="1048667" name="object 7"/>
+          <p:cNvPr id="1048647" name="object 7"/>
           <p:cNvSpPr txBox="1">
             <a:spLocks noGrp="1"/>
           </p:cNvSpPr>
@@ -6234,7 +6274,7 @@
         <p:spPr>
           <a:xfrm>
             <a:off x="834072" y="575055"/>
-            <a:ext cx="5636895" cy="1261110"/>
+            <a:ext cx="5636895" cy="638810"/>
           </a:xfrm>
           <a:prstGeom prst="rect"/>
         </p:spPr>
@@ -6312,7 +6352,7 @@
       </p:sp>
       <p:pic>
         <p:nvPicPr>
-          <p:cNvPr id="2097163" name="object 8"/>
+          <p:cNvPr id="2097159" name="object 8"/>
           <p:cNvPicPr>
             <a:picLocks/>
           </p:cNvPicPr>
@@ -6334,7 +6374,7 @@
       </p:pic>
       <p:sp>
         <p:nvSpPr>
-          <p:cNvPr id="1048668" name="object 10"/>
+          <p:cNvPr id="1048648" name="object 10"/>
           <p:cNvSpPr txBox="1">
             <a:spLocks noGrp="1"/>
           </p:cNvSpPr>
@@ -6368,7 +6408,7 @@
       </p:sp>
       <p:sp>
         <p:nvSpPr>
-          <p:cNvPr id="1048669" name=""/>
+          <p:cNvPr id="1048649" name=""/>
           <p:cNvSpPr txBox="1"/>
           <p:nvPr/>
         </p:nvSpPr>
@@ -6419,7 +6459,7 @@
   <p:cSld>
     <p:spTree>
       <p:nvGrpSpPr>
-        <p:cNvPr id="38" name=""/>
+        <p:cNvPr id="34" name=""/>
         <p:cNvGrpSpPr/>
         <p:nvPr/>
       </p:nvGrpSpPr>
@@ -6433,7 +6473,7 @@
       </p:grpSpPr>
       <p:grpSp>
         <p:nvGrpSpPr>
-          <p:cNvPr id="39" name="object 2"/>
+          <p:cNvPr id="35" name="object 2"/>
           <p:cNvGrpSpPr/>
           <p:nvPr/>
         </p:nvGrpSpPr>
@@ -6447,7 +6487,7 @@
         </p:grpSpPr>
         <p:sp>
           <p:nvSpPr>
-            <p:cNvPr id="1048670" name="object 3"/>
+            <p:cNvPr id="1048650" name="object 3"/>
             <p:cNvSpPr/>
             <p:nvPr/>
           </p:nvSpPr>
@@ -6492,7 +6532,7 @@
         </p:sp>
         <p:sp>
           <p:nvSpPr>
-            <p:cNvPr id="1048671" name="object 4"/>
+            <p:cNvPr id="1048651" name="object 4"/>
             <p:cNvSpPr/>
             <p:nvPr/>
           </p:nvSpPr>
@@ -6537,7 +6577,7 @@
         </p:sp>
         <p:pic>
           <p:nvPicPr>
-            <p:cNvPr id="2097164" name="object 5"/>
+            <p:cNvPr id="2097160" name="object 5"/>
             <p:cNvPicPr>
               <a:picLocks/>
             </p:cNvPicPr>
@@ -6560,7 +6600,7 @@
       </p:grpSp>
       <p:sp>
         <p:nvSpPr>
-          <p:cNvPr id="1048672" name="object 6"/>
+          <p:cNvPr id="1048652" name="object 6"/>
           <p:cNvSpPr/>
           <p:nvPr/>
         </p:nvSpPr>
@@ -6605,7 +6645,7 @@
       </p:sp>
       <p:sp>
         <p:nvSpPr>
-          <p:cNvPr id="1048673" name="object 7"/>
+          <p:cNvPr id="1048653" name="object 7"/>
           <p:cNvSpPr txBox="1">
             <a:spLocks noGrp="1"/>
           </p:cNvSpPr>
@@ -6650,7 +6690,7 @@
       </p:sp>
       <p:pic>
         <p:nvPicPr>
-          <p:cNvPr id="2097165" name="object 8"/>
+          <p:cNvPr id="2097161" name="object 8"/>
           <p:cNvPicPr>
             <a:picLocks/>
           </p:cNvPicPr>
@@ -6672,7 +6712,7 @@
       </p:pic>
       <p:sp>
         <p:nvSpPr>
-          <p:cNvPr id="1048674" name="object 10"/>
+          <p:cNvPr id="1048654" name="object 10"/>
           <p:cNvSpPr txBox="1">
             <a:spLocks noGrp="1"/>
           </p:cNvSpPr>
@@ -6706,7 +6746,7 @@
       </p:sp>
       <p:sp>
         <p:nvSpPr>
-          <p:cNvPr id="1048675" name="TextBox 10"/>
+          <p:cNvPr id="1048655" name="TextBox 10"/>
           <p:cNvSpPr txBox="1"/>
           <p:nvPr/>
         </p:nvSpPr>
@@ -6749,7 +6789,7 @@
       </p:sp>
       <p:sp>
         <p:nvSpPr>
-          <p:cNvPr id="1048676" name=""/>
+          <p:cNvPr id="1048656" name=""/>
           <p:cNvSpPr txBox="1"/>
           <p:nvPr/>
         </p:nvSpPr>
@@ -6799,7 +6839,7 @@
   <p:cSld>
     <p:spTree>
       <p:nvGrpSpPr>
-        <p:cNvPr id="40" name=""/>
+        <p:cNvPr id="36" name=""/>
         <p:cNvGrpSpPr/>
         <p:nvPr/>
       </p:nvGrpSpPr>
@@ -6813,7 +6853,7 @@
       </p:grpSpPr>
       <p:sp>
         <p:nvSpPr>
-          <p:cNvPr id="1048677" name="object 2"/>
+          <p:cNvPr id="1048657" name="object 2"/>
           <p:cNvSpPr/>
           <p:nvPr/>
         </p:nvSpPr>
@@ -6858,7 +6898,7 @@
       </p:sp>
       <p:sp>
         <p:nvSpPr>
-          <p:cNvPr id="1048678" name="object 3"/>
+          <p:cNvPr id="1048658" name="object 3"/>
           <p:cNvSpPr/>
           <p:nvPr/>
         </p:nvSpPr>
@@ -6903,7 +6943,7 @@
       </p:sp>
       <p:sp>
         <p:nvSpPr>
-          <p:cNvPr id="1048679" name="object 4"/>
+          <p:cNvPr id="1048659" name="object 4"/>
           <p:cNvSpPr/>
           <p:nvPr/>
         </p:nvSpPr>
@@ -6948,7 +6988,7 @@
       </p:sp>
       <p:sp>
         <p:nvSpPr>
-          <p:cNvPr id="1048680" name="object 5"/>
+          <p:cNvPr id="1048660" name="object 5"/>
           <p:cNvSpPr txBox="1">
             <a:spLocks noGrp="1"/>
           </p:cNvSpPr>
@@ -7062,7 +7102,7 @@
       </p:sp>
       <p:pic>
         <p:nvPicPr>
-          <p:cNvPr id="2097166" name="object 6"/>
+          <p:cNvPr id="2097162" name="object 6"/>
           <p:cNvPicPr>
             <a:picLocks/>
           </p:cNvPicPr>
@@ -7084,7 +7124,7 @@
       </p:pic>
       <p:sp>
         <p:nvSpPr>
-          <p:cNvPr id="1048681" name="object 8"/>
+          <p:cNvPr id="1048661" name="object 8"/>
           <p:cNvSpPr txBox="1">
             <a:spLocks noGrp="1"/>
           </p:cNvSpPr>
@@ -7118,7 +7158,7 @@
       </p:sp>
       <p:sp>
         <p:nvSpPr>
-          <p:cNvPr id="1048682" name=""/>
+          <p:cNvPr id="1048662" name=""/>
           <p:cNvSpPr txBox="1"/>
           <p:nvPr/>
         </p:nvSpPr>
@@ -7171,7 +7211,7 @@
   <p:cSld>
     <p:spTree>
       <p:nvGrpSpPr>
-        <p:cNvPr id="41" name=""/>
+        <p:cNvPr id="37" name=""/>
         <p:cNvGrpSpPr/>
         <p:nvPr/>
       </p:nvGrpSpPr>
@@ -7185,7 +7225,7 @@
       </p:grpSpPr>
       <p:pic>
         <p:nvPicPr>
-          <p:cNvPr id="2097167" name="object 2"/>
+          <p:cNvPr id="2097163" name="object 2"/>
           <p:cNvPicPr>
             <a:picLocks/>
           </p:cNvPicPr>
@@ -7207,7 +7247,7 @@
       </p:pic>
       <p:sp>
         <p:nvSpPr>
-          <p:cNvPr id="1048683" name="object 3"/>
+          <p:cNvPr id="1048663" name="object 3"/>
           <p:cNvSpPr/>
           <p:nvPr/>
         </p:nvSpPr>
@@ -7252,7 +7292,7 @@
       </p:sp>
       <p:sp>
         <p:nvSpPr>
-          <p:cNvPr id="1048684" name="object 4"/>
+          <p:cNvPr id="1048664" name="object 4"/>
           <p:cNvSpPr/>
           <p:nvPr/>
         </p:nvSpPr>
@@ -7297,7 +7337,7 @@
       </p:sp>
       <p:sp>
         <p:nvSpPr>
-          <p:cNvPr id="1048685" name="object 5"/>
+          <p:cNvPr id="1048665" name="object 5"/>
           <p:cNvSpPr/>
           <p:nvPr/>
         </p:nvSpPr>
@@ -7342,7 +7382,7 @@
       </p:sp>
       <p:sp>
         <p:nvSpPr>
-          <p:cNvPr id="1048686" name="object 6"/>
+          <p:cNvPr id="1048666" name="object 6"/>
           <p:cNvSpPr txBox="1">
             <a:spLocks noGrp="1"/>
           </p:cNvSpPr>
@@ -7519,7 +7559,7 @@
       </p:sp>
       <p:pic>
         <p:nvPicPr>
-          <p:cNvPr id="2097168" name="object 7"/>
+          <p:cNvPr id="2097164" name="object 7"/>
           <p:cNvPicPr>
             <a:picLocks/>
           </p:cNvPicPr>
@@ -7541,7 +7581,7 @@
       </p:pic>
       <p:sp>
         <p:nvSpPr>
-          <p:cNvPr id="1048687" name="object 9"/>
+          <p:cNvPr id="1048667" name="object 9"/>
           <p:cNvSpPr txBox="1">
             <a:spLocks noGrp="1"/>
           </p:cNvSpPr>
@@ -7575,7 +7615,7 @@
       </p:sp>
       <p:sp>
         <p:nvSpPr>
-          <p:cNvPr id="1048688" name=""/>
+          <p:cNvPr id="1048668" name=""/>
           <p:cNvSpPr txBox="1"/>
           <p:nvPr/>
         </p:nvSpPr>
@@ -7621,7 +7661,7 @@
   <p:cSld>
     <p:spTree>
       <p:nvGrpSpPr>
-        <p:cNvPr id="42" name=""/>
+        <p:cNvPr id="38" name=""/>
         <p:cNvGrpSpPr/>
         <p:nvPr/>
       </p:nvGrpSpPr>
@@ -7635,7 +7675,7 @@
       </p:grpSpPr>
       <p:sp>
         <p:nvSpPr>
-          <p:cNvPr id="1048689" name="Title 1"/>
+          <p:cNvPr id="1048669" name="Title 1"/>
           <p:cNvSpPr>
             <a:spLocks noGrp="1"/>
           </p:cNvSpPr>
@@ -7661,7 +7701,7 @@
       </p:sp>
       <p:sp>
         <p:nvSpPr>
-          <p:cNvPr id="1048690" name=""/>
+          <p:cNvPr id="1048670" name=""/>
           <p:cNvSpPr txBox="1"/>
           <p:nvPr/>
         </p:nvSpPr>
@@ -7713,7 +7753,7 @@
   <p:cSld>
     <p:spTree>
       <p:nvGrpSpPr>
-        <p:cNvPr id="25" name=""/>
+        <p:cNvPr id="39" name=""/>
         <p:cNvGrpSpPr/>
         <p:nvPr/>
       </p:nvGrpSpPr>
@@ -7727,7 +7767,7 @@
       </p:grpSpPr>
       <p:sp>
         <p:nvSpPr>
-          <p:cNvPr id="1048612" name="object 2"/>
+          <p:cNvPr id="1048671" name="object 2"/>
           <p:cNvSpPr txBox="1"/>
           <p:nvPr/>
         </p:nvSpPr>
@@ -7897,7 +7937,7 @@
       </p:sp>
       <p:sp>
         <p:nvSpPr>
-          <p:cNvPr id="1048613" name="object 3"/>
+          <p:cNvPr id="1048672" name="object 3"/>
           <p:cNvSpPr/>
           <p:nvPr/>
         </p:nvSpPr>
@@ -7942,7 +7982,7 @@
       </p:sp>
       <p:sp>
         <p:nvSpPr>
-          <p:cNvPr id="1048614" name="object 4"/>
+          <p:cNvPr id="1048673" name="object 4"/>
           <p:cNvSpPr/>
           <p:nvPr/>
         </p:nvSpPr>
@@ -7987,7 +8027,7 @@
       </p:sp>
       <p:sp>
         <p:nvSpPr>
-          <p:cNvPr id="1048615" name="object 5"/>
+          <p:cNvPr id="1048674" name="object 5"/>
           <p:cNvSpPr/>
           <p:nvPr/>
         </p:nvSpPr>
@@ -8032,7 +8072,7 @@
       </p:sp>
       <p:pic>
         <p:nvPicPr>
-          <p:cNvPr id="2097155" name="object 6"/>
+          <p:cNvPr id="2097165" name="object 6"/>
           <p:cNvPicPr>
             <a:picLocks/>
           </p:cNvPicPr>
@@ -8054,7 +8094,7 @@
       </p:pic>
       <p:sp>
         <p:nvSpPr>
-          <p:cNvPr id="1048616" name="object 7"/>
+          <p:cNvPr id="1048675" name="object 7"/>
           <p:cNvSpPr txBox="1">
             <a:spLocks noGrp="1"/>
           </p:cNvSpPr>
@@ -8132,7 +8172,7 @@
       </p:sp>
       <p:sp>
         <p:nvSpPr>
-          <p:cNvPr id="1048617" name="object 8"/>
+          <p:cNvPr id="1048676" name="object 8"/>
           <p:cNvSpPr txBox="1"/>
           <p:nvPr/>
         </p:nvSpPr>
@@ -8175,7 +8215,7 @@
       </p:sp>
       <p:sp>
         <p:nvSpPr>
-          <p:cNvPr id="1048618" name="TextBox 8"/>
+          <p:cNvPr id="1048677" name="TextBox 8"/>
           <p:cNvSpPr txBox="1"/>
           <p:nvPr/>
         </p:nvSpPr>
@@ -8215,7 +8255,7 @@
       </p:sp>
       <p:sp>
         <p:nvSpPr>
-          <p:cNvPr id="1048619" name=""/>
+          <p:cNvPr id="1048678" name=""/>
           <p:cNvSpPr txBox="1"/>
           <p:nvPr/>
         </p:nvSpPr>
